--- a/case_sample_bivar_gauss_prob/图.pptx
+++ b/case_sample_bivar_gauss_prob/图.pptx
@@ -8,6 +8,7 @@
     <p:sldId id="256" r:id="rId2"/>
     <p:sldId id="257" r:id="rId3"/>
     <p:sldId id="258" r:id="rId4"/>
+    <p:sldId id="259" r:id="rId5"/>
   </p:sldIdLst>
   <p:sldSz cx="12192000" cy="6858000"/>
   <p:notesSz cx="6858000" cy="9144000"/>
@@ -106,6 +107,11 @@
       </a:defRPr>
     </a:lvl9pPr>
   </p:defaultTextStyle>
+  <p:extLst>
+    <p:ext uri="{EFAFB233-063F-42B5-8137-9DF3F51BA10A}">
+      <p15:sldGuideLst xmlns:p15="http://schemas.microsoft.com/office/powerpoint/2012/main"/>
+    </p:ext>
+  </p:extLst>
 </p:presentation>
 </file>
 
@@ -256,7 +262,7 @@
           <a:p>
             <a:fld id="{0F34D329-532B-4370-B467-FF6689DB44F3}" type="datetimeFigureOut">
               <a:rPr lang="zh-CN" altLang="en-US" smtClean="0"/>
-              <a:t>2024/7/21</a:t>
+              <a:t>2024/7/22</a:t>
             </a:fld>
             <a:endParaRPr lang="zh-CN" altLang="en-US"/>
           </a:p>
@@ -454,7 +460,7 @@
           <a:p>
             <a:fld id="{0F34D329-532B-4370-B467-FF6689DB44F3}" type="datetimeFigureOut">
               <a:rPr lang="zh-CN" altLang="en-US" smtClean="0"/>
-              <a:t>2024/7/21</a:t>
+              <a:t>2024/7/22</a:t>
             </a:fld>
             <a:endParaRPr lang="zh-CN" altLang="en-US"/>
           </a:p>
@@ -662,7 +668,7 @@
           <a:p>
             <a:fld id="{0F34D329-532B-4370-B467-FF6689DB44F3}" type="datetimeFigureOut">
               <a:rPr lang="zh-CN" altLang="en-US" smtClean="0"/>
-              <a:t>2024/7/21</a:t>
+              <a:t>2024/7/22</a:t>
             </a:fld>
             <a:endParaRPr lang="zh-CN" altLang="en-US"/>
           </a:p>
@@ -860,7 +866,7 @@
           <a:p>
             <a:fld id="{0F34D329-532B-4370-B467-FF6689DB44F3}" type="datetimeFigureOut">
               <a:rPr lang="zh-CN" altLang="en-US" smtClean="0"/>
-              <a:t>2024/7/21</a:t>
+              <a:t>2024/7/22</a:t>
             </a:fld>
             <a:endParaRPr lang="zh-CN" altLang="en-US"/>
           </a:p>
@@ -1135,7 +1141,7 @@
           <a:p>
             <a:fld id="{0F34D329-532B-4370-B467-FF6689DB44F3}" type="datetimeFigureOut">
               <a:rPr lang="zh-CN" altLang="en-US" smtClean="0"/>
-              <a:t>2024/7/21</a:t>
+              <a:t>2024/7/22</a:t>
             </a:fld>
             <a:endParaRPr lang="zh-CN" altLang="en-US"/>
           </a:p>
@@ -1400,7 +1406,7 @@
           <a:p>
             <a:fld id="{0F34D329-532B-4370-B467-FF6689DB44F3}" type="datetimeFigureOut">
               <a:rPr lang="zh-CN" altLang="en-US" smtClean="0"/>
-              <a:t>2024/7/21</a:t>
+              <a:t>2024/7/22</a:t>
             </a:fld>
             <a:endParaRPr lang="zh-CN" altLang="en-US"/>
           </a:p>
@@ -1812,7 +1818,7 @@
           <a:p>
             <a:fld id="{0F34D329-532B-4370-B467-FF6689DB44F3}" type="datetimeFigureOut">
               <a:rPr lang="zh-CN" altLang="en-US" smtClean="0"/>
-              <a:t>2024/7/21</a:t>
+              <a:t>2024/7/22</a:t>
             </a:fld>
             <a:endParaRPr lang="zh-CN" altLang="en-US"/>
           </a:p>
@@ -1953,7 +1959,7 @@
           <a:p>
             <a:fld id="{0F34D329-532B-4370-B467-FF6689DB44F3}" type="datetimeFigureOut">
               <a:rPr lang="zh-CN" altLang="en-US" smtClean="0"/>
-              <a:t>2024/7/21</a:t>
+              <a:t>2024/7/22</a:t>
             </a:fld>
             <a:endParaRPr lang="zh-CN" altLang="en-US"/>
           </a:p>
@@ -2066,7 +2072,7 @@
           <a:p>
             <a:fld id="{0F34D329-532B-4370-B467-FF6689DB44F3}" type="datetimeFigureOut">
               <a:rPr lang="zh-CN" altLang="en-US" smtClean="0"/>
-              <a:t>2024/7/21</a:t>
+              <a:t>2024/7/22</a:t>
             </a:fld>
             <a:endParaRPr lang="zh-CN" altLang="en-US"/>
           </a:p>
@@ -2377,7 +2383,7 @@
           <a:p>
             <a:fld id="{0F34D329-532B-4370-B467-FF6689DB44F3}" type="datetimeFigureOut">
               <a:rPr lang="zh-CN" altLang="en-US" smtClean="0"/>
-              <a:t>2024/7/21</a:t>
+              <a:t>2024/7/22</a:t>
             </a:fld>
             <a:endParaRPr lang="zh-CN" altLang="en-US"/>
           </a:p>
@@ -2665,7 +2671,7 @@
           <a:p>
             <a:fld id="{0F34D329-532B-4370-B467-FF6689DB44F3}" type="datetimeFigureOut">
               <a:rPr lang="zh-CN" altLang="en-US" smtClean="0"/>
-              <a:t>2024/7/21</a:t>
+              <a:t>2024/7/22</a:t>
             </a:fld>
             <a:endParaRPr lang="zh-CN" altLang="en-US"/>
           </a:p>
@@ -2906,7 +2912,7 @@
           <a:p>
             <a:fld id="{0F34D329-532B-4370-B467-FF6689DB44F3}" type="datetimeFigureOut">
               <a:rPr lang="zh-CN" altLang="en-US" smtClean="0"/>
-              <a:t>2024/7/21</a:t>
+              <a:t>2024/7/22</a:t>
             </a:fld>
             <a:endParaRPr lang="zh-CN" altLang="en-US"/>
           </a:p>
@@ -4886,8 +4892,8 @@
           </a:p>
         </p:txBody>
       </p:sp>
-      <mc:AlternateContent xmlns:mc="http://schemas.openxmlformats.org/markup-compatibility/2006">
-        <mc:Choice xmlns:a14="http://schemas.microsoft.com/office/drawing/2010/main" Requires="a14">
+      <mc:AlternateContent xmlns:mc="http://schemas.openxmlformats.org/markup-compatibility/2006" xmlns:a14="http://schemas.microsoft.com/office/drawing/2010/main">
+        <mc:Choice Requires="a14">
           <p:sp>
             <p:nvSpPr>
               <p:cNvPr id="8" name="文本框 7">
@@ -4964,7 +4970,7 @@
             </p:txBody>
           </p:sp>
         </mc:Choice>
-        <mc:Fallback>
+        <mc:Fallback xmlns="">
           <p:sp>
             <p:nvSpPr>
               <p:cNvPr id="8" name="文本框 7">
@@ -5124,8 +5130,8 @@
           </a:prstGeom>
         </p:spPr>
       </p:pic>
-      <mc:AlternateContent xmlns:mc="http://schemas.openxmlformats.org/markup-compatibility/2006">
-        <mc:Choice xmlns:a14="http://schemas.microsoft.com/office/drawing/2010/main" Requires="a14">
+      <mc:AlternateContent xmlns:mc="http://schemas.openxmlformats.org/markup-compatibility/2006" xmlns:a14="http://schemas.microsoft.com/office/drawing/2010/main">
+        <mc:Choice Requires="a14">
           <p:sp>
             <p:nvSpPr>
               <p:cNvPr id="6" name="文本框 5">
@@ -5156,6 +5162,7 @@
               </a:bodyPr>
               <a:lstStyle/>
               <a:p>
+                <a:pPr/>
                 <a14:m>
                   <m:oMathPara xmlns:m="http://schemas.openxmlformats.org/officeDocument/2006/math">
                     <m:oMathParaPr>
@@ -5316,7 +5323,7 @@
             </p:txBody>
           </p:sp>
         </mc:Choice>
-        <mc:Fallback>
+        <mc:Fallback xmlns="">
           <p:sp>
             <p:nvSpPr>
               <p:cNvPr id="6" name="文本框 5">
@@ -5361,8 +5368,8 @@
           </p:sp>
         </mc:Fallback>
       </mc:AlternateContent>
-      <mc:AlternateContent xmlns:mc="http://schemas.openxmlformats.org/markup-compatibility/2006">
-        <mc:Choice xmlns:a14="http://schemas.microsoft.com/office/drawing/2010/main" Requires="a14">
+      <mc:AlternateContent xmlns:mc="http://schemas.openxmlformats.org/markup-compatibility/2006" xmlns:a14="http://schemas.microsoft.com/office/drawing/2010/main">
+        <mc:Choice Requires="a14">
           <p:sp>
             <p:nvSpPr>
               <p:cNvPr id="7" name="文本框 6">
@@ -5424,7 +5431,7 @@
             </p:txBody>
           </p:sp>
         </mc:Choice>
-        <mc:Fallback>
+        <mc:Fallback xmlns="">
           <p:sp>
             <p:nvSpPr>
               <p:cNvPr id="7" name="文本框 6">
@@ -5469,8 +5476,8 @@
           </p:sp>
         </mc:Fallback>
       </mc:AlternateContent>
-      <mc:AlternateContent xmlns:mc="http://schemas.openxmlformats.org/markup-compatibility/2006">
-        <mc:Choice xmlns:a14="http://schemas.microsoft.com/office/drawing/2010/main" Requires="a14">
+      <mc:AlternateContent xmlns:mc="http://schemas.openxmlformats.org/markup-compatibility/2006" xmlns:a14="http://schemas.microsoft.com/office/drawing/2010/main">
+        <mc:Choice Requires="a14">
           <p:sp>
             <p:nvSpPr>
               <p:cNvPr id="8" name="文本框 7">
@@ -5553,7 +5560,7 @@
             </p:txBody>
           </p:sp>
         </mc:Choice>
-        <mc:Fallback>
+        <mc:Fallback xmlns="">
           <p:sp>
             <p:nvSpPr>
               <p:cNvPr id="8" name="文本框 7">
@@ -5598,8 +5605,8 @@
           </p:sp>
         </mc:Fallback>
       </mc:AlternateContent>
-      <mc:AlternateContent xmlns:mc="http://schemas.openxmlformats.org/markup-compatibility/2006">
-        <mc:Choice xmlns:a14="http://schemas.microsoft.com/office/drawing/2010/main" Requires="a14">
+      <mc:AlternateContent xmlns:mc="http://schemas.openxmlformats.org/markup-compatibility/2006" xmlns:a14="http://schemas.microsoft.com/office/drawing/2010/main">
+        <mc:Choice Requires="a14">
           <p:sp>
             <p:nvSpPr>
               <p:cNvPr id="9" name="文本框 8">
@@ -5682,7 +5689,7 @@
             </p:txBody>
           </p:sp>
         </mc:Choice>
-        <mc:Fallback>
+        <mc:Fallback xmlns="">
           <p:sp>
             <p:nvSpPr>
               <p:cNvPr id="9" name="文本框 8">
@@ -5731,6 +5738,72 @@
     <p:extLst>
       <p:ext uri="{BB962C8B-B14F-4D97-AF65-F5344CB8AC3E}">
         <p14:creationId xmlns:p14="http://schemas.microsoft.com/office/powerpoint/2010/main" val="2038473185"/>
+      </p:ext>
+    </p:extLst>
+  </p:cSld>
+  <p:clrMapOvr>
+    <a:masterClrMapping/>
+  </p:clrMapOvr>
+</p:sld>
+</file>
+
+<file path=ppt/slides/slide4.xml><?xml version="1.0" encoding="utf-8"?>
+<p:sld xmlns:a="http://schemas.openxmlformats.org/drawingml/2006/main" xmlns:r="http://schemas.openxmlformats.org/officeDocument/2006/relationships" xmlns:p="http://schemas.openxmlformats.org/presentationml/2006/main">
+  <p:cSld>
+    <p:spTree>
+      <p:nvGrpSpPr>
+        <p:cNvPr id="1" name=""/>
+        <p:cNvGrpSpPr/>
+        <p:nvPr/>
+      </p:nvGrpSpPr>
+      <p:grpSpPr>
+        <a:xfrm>
+          <a:off x="0" y="0"/>
+          <a:ext cx="0" cy="0"/>
+          <a:chOff x="0" y="0"/>
+          <a:chExt cx="0" cy="0"/>
+        </a:xfrm>
+      </p:grpSpPr>
+      <p:pic>
+        <p:nvPicPr>
+          <p:cNvPr id="5" name="图片 4" descr="图表&#10;&#10;描述已自动生成">
+            <a:extLst>
+              <a:ext uri="{FF2B5EF4-FFF2-40B4-BE49-F238E27FC236}">
+                <a16:creationId xmlns:a16="http://schemas.microsoft.com/office/drawing/2014/main" id="{DB6E37CA-A870-5212-3C6E-58DEF51A7666}"/>
+              </a:ext>
+            </a:extLst>
+          </p:cNvPr>
+          <p:cNvPicPr>
+            <a:picLocks noChangeAspect="1"/>
+          </p:cNvPicPr>
+          <p:nvPr/>
+        </p:nvPicPr>
+        <p:blipFill>
+          <a:blip r:embed="rId2">
+            <a:extLst>
+              <a:ext uri="{28A0092B-C50C-407E-A947-70E740481C1C}">
+                <a14:useLocalDpi xmlns:a14="http://schemas.microsoft.com/office/drawing/2010/main" val="0"/>
+              </a:ext>
+            </a:extLst>
+          </a:blip>
+          <a:stretch>
+            <a:fillRect/>
+          </a:stretch>
+        </p:blipFill>
+        <p:spPr>
+          <a:xfrm>
+            <a:off x="4049485" y="1651411"/>
+            <a:ext cx="5468806" cy="3555177"/>
+          </a:xfrm>
+          <a:prstGeom prst="rect">
+            <a:avLst/>
+          </a:prstGeom>
+        </p:spPr>
+      </p:pic>
+    </p:spTree>
+    <p:extLst>
+      <p:ext uri="{BB962C8B-B14F-4D97-AF65-F5344CB8AC3E}">
+        <p14:creationId xmlns:p14="http://schemas.microsoft.com/office/powerpoint/2010/main" val="3607979611"/>
       </p:ext>
     </p:extLst>
   </p:cSld>
